--- a/Document/presentation.pptx
+++ b/Document/presentation.pptx
@@ -113,6 +113,22 @@
       </a:defRPr>
     </a:lvl9pPr>
   </p:defaultTextStyle>
+  <p:extLst>
+    <p:ext uri="{EFAFB233-063F-42B5-8137-9DF3F51BA10A}">
+      <p15:sldGuideLst xmlns:p15="http://schemas.microsoft.com/office/powerpoint/2012/main">
+        <p15:guide id="1" orient="horz" pos="2160">
+          <p15:clr>
+            <a:srgbClr val="A4A3A4"/>
+          </p15:clr>
+        </p15:guide>
+        <p15:guide id="2" pos="2880">
+          <p15:clr>
+            <a:srgbClr val="A4A3A4"/>
+          </p15:clr>
+        </p15:guide>
+      </p15:sldGuideLst>
+    </p:ext>
+  </p:extLst>
 </p:presentation>
 </file>
 
@@ -3851,6 +3867,13 @@
   <p:clrMapOvr>
     <a:masterClrMapping/>
   </p:clrMapOvr>
+  <p:timing>
+    <p:tnLst>
+      <p:par>
+        <p:cTn id="1" dur="indefinite" restart="never" nodeType="tmRoot"/>
+      </p:par>
+    </p:tnLst>
+  </p:timing>
 </p:sld>
 </file>
 
@@ -4033,6 +4056,13 @@
   <p:clrMapOvr>
     <a:masterClrMapping/>
   </p:clrMapOvr>
+  <p:timing>
+    <p:tnLst>
+      <p:par>
+        <p:cTn id="1" dur="indefinite" restart="never" nodeType="tmRoot"/>
+      </p:par>
+    </p:tnLst>
+  </p:timing>
 </p:sld>
 </file>
 
@@ -4079,7 +4109,7 @@
       </p:sp>
       <p:pic>
         <p:nvPicPr>
-          <p:cNvPr id="1026" name="Picture 2" descr="http://download.unity3d.com/webplayer/images/unity-icon-big.jpg"/>
+          <p:cNvPr id="1029" name="Picture 5"/>
           <p:cNvPicPr>
             <a:picLocks noChangeAspect="1" noChangeArrowheads="1"/>
           </p:cNvPicPr>
@@ -4087,32 +4117,6 @@
         </p:nvPicPr>
         <p:blipFill>
           <a:blip r:embed="rId2" cstate="print"/>
-          <a:srcRect/>
-          <a:stretch>
-            <a:fillRect/>
-          </a:stretch>
-        </p:blipFill>
-        <p:spPr bwMode="auto">
-          <a:xfrm>
-            <a:off x="2987824" y="1916832"/>
-            <a:ext cx="2857500" cy="1857376"/>
-          </a:xfrm>
-          <a:prstGeom prst="rect">
-            <a:avLst/>
-          </a:prstGeom>
-          <a:noFill/>
-        </p:spPr>
-      </p:pic>
-      <p:pic>
-        <p:nvPicPr>
-          <p:cNvPr id="1029" name="Picture 5"/>
-          <p:cNvPicPr>
-            <a:picLocks noChangeAspect="1" noChangeArrowheads="1"/>
-          </p:cNvPicPr>
-          <p:nvPr/>
-        </p:nvPicPr>
-        <p:blipFill>
-          <a:blip r:embed="rId3" cstate="print"/>
           <a:srcRect l="22735" t="39500" r="23519" b="31100"/>
           <a:stretch>
             <a:fillRect/>
@@ -4120,7 +4124,7 @@
         </p:blipFill>
         <p:spPr bwMode="auto">
           <a:xfrm>
-            <a:off x="1331640" y="4221088"/>
+            <a:off x="323528" y="4365104"/>
             <a:ext cx="6552728" cy="2016224"/>
           </a:xfrm>
           <a:prstGeom prst="rect">
@@ -4135,11 +4139,93 @@
           </a:ln>
         </p:spPr>
       </p:pic>
+      <p:pic>
+        <p:nvPicPr>
+          <p:cNvPr id="3" name="Picture 2" descr="https://upload.wikimedia.org/wikipedia/ru/a/a3/Unity_Logo.png"/>
+          <p:cNvPicPr>
+            <a:picLocks noChangeAspect="1" noChangeArrowheads="1"/>
+          </p:cNvPicPr>
+          <p:nvPr/>
+        </p:nvPicPr>
+        <p:blipFill>
+          <a:blip r:embed="rId3">
+            <a:extLst>
+              <a:ext uri="{28A0092B-C50C-407E-A947-70E740481C1C}">
+                <a14:useLocalDpi xmlns:a14="http://schemas.microsoft.com/office/drawing/2010/main" val="0"/>
+              </a:ext>
+            </a:extLst>
+          </a:blip>
+          <a:srcRect/>
+          <a:stretch>
+            <a:fillRect/>
+          </a:stretch>
+        </p:blipFill>
+        <p:spPr bwMode="auto">
+          <a:xfrm>
+            <a:off x="2699792" y="1556792"/>
+            <a:ext cx="2513434" cy="2513434"/>
+          </a:xfrm>
+          <a:prstGeom prst="rect">
+            <a:avLst/>
+          </a:prstGeom>
+          <a:noFill/>
+          <a:extLst>
+            <a:ext uri="{909E8E84-426E-40DD-AFC4-6F175D3DCCD1}">
+              <a14:hiddenFill xmlns:a14="http://schemas.microsoft.com/office/drawing/2010/main">
+                <a:solidFill>
+                  <a:srgbClr val="FFFFFF"/>
+                </a:solidFill>
+              </a14:hiddenFill>
+            </a:ext>
+          </a:extLst>
+        </p:spPr>
+      </p:pic>
+      <p:sp>
+        <p:nvSpPr>
+          <p:cNvPr id="4" name="ZoneTexte 3"/>
+          <p:cNvSpPr txBox="1"/>
+          <p:nvPr/>
+        </p:nvSpPr>
+        <p:spPr>
+          <a:xfrm>
+            <a:off x="6881928" y="5188550"/>
+            <a:ext cx="1979712" cy="369332"/>
+          </a:xfrm>
+          <a:prstGeom prst="rect">
+            <a:avLst/>
+          </a:prstGeom>
+          <a:noFill/>
+        </p:spPr>
+        <p:txBody>
+          <a:bodyPr wrap="square" rtlCol="0">
+            <a:spAutoFit/>
+          </a:bodyPr>
+          <a:lstStyle/>
+          <a:p>
+            <a:r>
+              <a:rPr lang="fr-FR" dirty="0" smtClean="0"/>
+              <a:t>~6500 </a:t>
+            </a:r>
+            <a:r>
+              <a:rPr lang="fr-FR" dirty="0" err="1" smtClean="0"/>
+              <a:t>vertices</a:t>
+            </a:r>
+            <a:endParaRPr lang="fr-FR" dirty="0"/>
+          </a:p>
+        </p:txBody>
+      </p:sp>
     </p:spTree>
   </p:cSld>
   <p:clrMapOvr>
     <a:masterClrMapping/>
   </p:clrMapOvr>
+  <p:timing>
+    <p:tnLst>
+      <p:par>
+        <p:cTn id="1" dur="indefinite" restart="never" nodeType="tmRoot"/>
+      </p:par>
+    </p:tnLst>
+  </p:timing>
 </p:sld>
 </file>
 
@@ -4251,6 +4337,13 @@
   <p:clrMapOvr>
     <a:masterClrMapping/>
   </p:clrMapOvr>
+  <p:timing>
+    <p:tnLst>
+      <p:par>
+        <p:cTn id="1" dur="indefinite" restart="never" nodeType="tmRoot"/>
+      </p:par>
+    </p:tnLst>
+  </p:timing>
 </p:sld>
 </file>
 
@@ -4364,6 +4457,47 @@
           </a:p>
         </p:txBody>
       </p:sp>
+      <p:pic>
+        <p:nvPicPr>
+          <p:cNvPr id="2052" name="Picture 4" descr="http://images.clipartpanda.com/camera-black-and-white-camera_black_white_line_art_coloring_book_colouring-999px.png"/>
+          <p:cNvPicPr>
+            <a:picLocks noChangeAspect="1" noChangeArrowheads="1"/>
+          </p:cNvPicPr>
+          <p:nvPr/>
+        </p:nvPicPr>
+        <p:blipFill>
+          <a:blip r:embed="rId2" cstate="print">
+            <a:extLst>
+              <a:ext uri="{28A0092B-C50C-407E-A947-70E740481C1C}">
+                <a14:useLocalDpi xmlns:a14="http://schemas.microsoft.com/office/drawing/2010/main" val="0"/>
+              </a:ext>
+            </a:extLst>
+          </a:blip>
+          <a:srcRect/>
+          <a:stretch>
+            <a:fillRect/>
+          </a:stretch>
+        </p:blipFill>
+        <p:spPr bwMode="auto">
+          <a:xfrm>
+            <a:off x="5724128" y="1556792"/>
+            <a:ext cx="2520279" cy="2520279"/>
+          </a:xfrm>
+          <a:prstGeom prst="rect">
+            <a:avLst/>
+          </a:prstGeom>
+          <a:noFill/>
+          <a:extLst>
+            <a:ext uri="{909E8E84-426E-40DD-AFC4-6F175D3DCCD1}">
+              <a14:hiddenFill xmlns:a14="http://schemas.microsoft.com/office/drawing/2010/main">
+                <a:solidFill>
+                  <a:srgbClr val="FFFFFF"/>
+                </a:solidFill>
+              </a14:hiddenFill>
+            </a:ext>
+          </a:extLst>
+        </p:spPr>
+      </p:pic>
     </p:spTree>
   </p:cSld>
   <p:clrMapOvr>
@@ -4419,7 +4553,7 @@
         </p:nvSpPr>
         <p:spPr>
           <a:xfrm>
-            <a:off x="1403648" y="1700808"/>
+            <a:off x="971600" y="1700808"/>
             <a:ext cx="7056784" cy="576064"/>
           </a:xfrm>
           <a:prstGeom prst="flowChartProcess">
@@ -4463,7 +4597,7 @@
         </p:nvSpPr>
         <p:spPr>
           <a:xfrm>
-            <a:off x="1403648" y="2780928"/>
+            <a:off x="971600" y="2780928"/>
             <a:ext cx="7056784" cy="576064"/>
           </a:xfrm>
           <a:prstGeom prst="flowChartProcess">
@@ -4510,7 +4644,7 @@
         </p:nvCxnSpPr>
         <p:spPr>
           <a:xfrm flipV="1">
-            <a:off x="4932040" y="2276872"/>
+            <a:off x="4499992" y="2276872"/>
             <a:ext cx="0" cy="504056"/>
           </a:xfrm>
           <a:prstGeom prst="straightConnector1">
@@ -4543,7 +4677,7 @@
         </p:nvSpPr>
         <p:spPr>
           <a:xfrm>
-            <a:off x="1403648" y="3861048"/>
+            <a:off x="971600" y="3861048"/>
             <a:ext cx="1872208" cy="648072"/>
           </a:xfrm>
           <a:prstGeom prst="rect">
@@ -4587,7 +4721,7 @@
         </p:nvSpPr>
         <p:spPr>
           <a:xfrm>
-            <a:off x="3491880" y="3861048"/>
+            <a:off x="3059832" y="3861048"/>
             <a:ext cx="1368152" cy="648072"/>
           </a:xfrm>
           <a:prstGeom prst="rect">
@@ -4631,7 +4765,7 @@
         </p:nvSpPr>
         <p:spPr>
           <a:xfrm>
-            <a:off x="5148064" y="3861048"/>
+            <a:off x="4716016" y="3861048"/>
             <a:ext cx="1368152" cy="648072"/>
           </a:xfrm>
           <a:prstGeom prst="rect">
@@ -4675,7 +4809,7 @@
         </p:nvSpPr>
         <p:spPr>
           <a:xfrm>
-            <a:off x="6732240" y="3861048"/>
+            <a:off x="6300192" y="3861048"/>
             <a:ext cx="1728192" cy="648072"/>
           </a:xfrm>
           <a:prstGeom prst="rect">
@@ -4719,7 +4853,7 @@
         </p:nvCxnSpPr>
         <p:spPr>
           <a:xfrm flipV="1">
-            <a:off x="4139952" y="3356992"/>
+            <a:off x="3707904" y="3356992"/>
             <a:ext cx="0" cy="504056"/>
           </a:xfrm>
           <a:prstGeom prst="straightConnector1">
@@ -4752,7 +4886,7 @@
         </p:nvCxnSpPr>
         <p:spPr>
           <a:xfrm flipV="1">
-            <a:off x="5796136" y="3356992"/>
+            <a:off x="5364088" y="3356992"/>
             <a:ext cx="0" cy="504056"/>
           </a:xfrm>
           <a:prstGeom prst="straightConnector1">
@@ -4785,7 +4919,7 @@
         </p:nvCxnSpPr>
         <p:spPr>
           <a:xfrm flipV="1">
-            <a:off x="7596336" y="3356992"/>
+            <a:off x="7164288" y="3356992"/>
             <a:ext cx="0" cy="504056"/>
           </a:xfrm>
           <a:prstGeom prst="straightConnector1">
@@ -4818,7 +4952,7 @@
         </p:nvCxnSpPr>
         <p:spPr>
           <a:xfrm flipV="1">
-            <a:off x="2411760" y="3356992"/>
+            <a:off x="1979712" y="3356992"/>
             <a:ext cx="0" cy="504056"/>
           </a:xfrm>
           <a:prstGeom prst="straightConnector1">
@@ -4933,7 +5067,6 @@
               <a:rPr lang="fr-FR" dirty="0" smtClean="0"/>
               <a:t>% de portée</a:t>
             </a:r>
-            <a:endParaRPr lang="fr-FR" dirty="0" smtClean="0"/>
           </a:p>
           <a:p>
             <a:r>
@@ -4981,6 +5114,36 @@
           </a:p>
         </p:txBody>
       </p:sp>
+      <p:pic>
+        <p:nvPicPr>
+          <p:cNvPr id="4" name="Image 3"/>
+          <p:cNvPicPr>
+            <a:picLocks noChangeAspect="1"/>
+          </p:cNvPicPr>
+          <p:nvPr/>
+        </p:nvPicPr>
+        <p:blipFill>
+          <a:blip r:embed="rId2">
+            <a:extLst>
+              <a:ext uri="{28A0092B-C50C-407E-A947-70E740481C1C}">
+                <a14:useLocalDpi xmlns:a14="http://schemas.microsoft.com/office/drawing/2010/main" val="0"/>
+              </a:ext>
+            </a:extLst>
+          </a:blip>
+          <a:stretch>
+            <a:fillRect/>
+          </a:stretch>
+        </p:blipFill>
+        <p:spPr>
+          <a:xfrm>
+            <a:off x="4932040" y="3140968"/>
+            <a:ext cx="3327040" cy="1524893"/>
+          </a:xfrm>
+          <a:prstGeom prst="rect">
+            <a:avLst/>
+          </a:prstGeom>
+        </p:spPr>
+      </p:pic>
     </p:spTree>
   </p:cSld>
   <p:clrMapOvr>
@@ -5044,9 +5207,16 @@
           <a:bodyPr/>
           <a:lstStyle/>
           <a:p>
+            <a:endParaRPr lang="fr-FR" dirty="0" smtClean="0"/>
+          </a:p>
+          <a:p>
             <a:r>
               <a:rPr lang="fr-FR" dirty="0" smtClean="0"/>
-              <a:t>Recherche des unités les plus proches</a:t>
+              <a:t>Recherche </a:t>
+            </a:r>
+            <a:r>
+              <a:rPr lang="fr-FR" dirty="0" smtClean="0"/>
+              <a:t>des unités les plus proches</a:t>
             </a:r>
           </a:p>
           <a:p>
@@ -5142,11 +5312,7 @@
           <a:p>
             <a:r>
               <a:rPr lang="fr-FR" dirty="0" smtClean="0"/>
-              <a:t>S</a:t>
-            </a:r>
-            <a:r>
-              <a:rPr lang="fr-FR" dirty="0" smtClean="0"/>
-              <a:t>e positionne par rapport à la cible</a:t>
+              <a:t>Se positionne par rapport à la cible</a:t>
             </a:r>
           </a:p>
           <a:p>
@@ -5182,6 +5348,47 @@
           </a:p>
         </p:txBody>
       </p:sp>
+      <p:pic>
+        <p:nvPicPr>
+          <p:cNvPr id="4" name="Picture 6" descr="https://www.sensefly.com/uploads/tx_templavoila/innovation-icon-3.png"/>
+          <p:cNvPicPr>
+            <a:picLocks noChangeAspect="1" noChangeArrowheads="1"/>
+          </p:cNvPicPr>
+          <p:nvPr/>
+        </p:nvPicPr>
+        <p:blipFill>
+          <a:blip r:embed="rId2">
+            <a:extLst>
+              <a:ext uri="{28A0092B-C50C-407E-A947-70E740481C1C}">
+                <a14:useLocalDpi xmlns:a14="http://schemas.microsoft.com/office/drawing/2010/main" val="0"/>
+              </a:ext>
+            </a:extLst>
+          </a:blip>
+          <a:srcRect/>
+          <a:stretch>
+            <a:fillRect/>
+          </a:stretch>
+        </p:blipFill>
+        <p:spPr bwMode="auto">
+          <a:xfrm>
+            <a:off x="5868144" y="3573016"/>
+            <a:ext cx="1669489" cy="1944216"/>
+          </a:xfrm>
+          <a:prstGeom prst="rect">
+            <a:avLst/>
+          </a:prstGeom>
+          <a:noFill/>
+          <a:extLst>
+            <a:ext uri="{909E8E84-426E-40DD-AFC4-6F175D3DCCD1}">
+              <a14:hiddenFill xmlns:a14="http://schemas.microsoft.com/office/drawing/2010/main">
+                <a:solidFill>
+                  <a:srgbClr val="FFFFFF"/>
+                </a:solidFill>
+              </a14:hiddenFill>
+            </a:ext>
+          </a:extLst>
+        </p:spPr>
+      </p:pic>
     </p:spTree>
   </p:cSld>
   <p:clrMapOvr>
